--- a/sve_intrinsic3/fig.pptx
+++ b/sve_intrinsic3/fig.pptx
@@ -7,6 +7,7 @@
   <p:sldIdLst>
     <p:sldId id="256" r:id="rId2"/>
     <p:sldId id="257" r:id="rId3"/>
+    <p:sldId id="258" r:id="rId4"/>
   </p:sldIdLst>
   <p:sldSz cx="12192000" cy="6858000"/>
   <p:notesSz cx="6858000" cy="9144000"/>
@@ -3877,6 +3878,2529 @@
     <p:extLst>
       <p:ext uri="{BB962C8B-B14F-4D97-AF65-F5344CB8AC3E}">
         <p14:creationId xmlns:p14="http://schemas.microsoft.com/office/powerpoint/2010/main" val="2241470126"/>
+      </p:ext>
+    </p:extLst>
+  </p:cSld>
+  <p:clrMapOvr>
+    <a:masterClrMapping/>
+  </p:clrMapOvr>
+</p:sld>
+</file>
+
+<file path=ppt/slides/slide3.xml><?xml version="1.0" encoding="utf-8"?>
+<p:sld xmlns:a="http://schemas.openxmlformats.org/drawingml/2006/main" xmlns:r="http://schemas.openxmlformats.org/officeDocument/2006/relationships" xmlns:p="http://schemas.openxmlformats.org/presentationml/2006/main">
+  <p:cSld>
+    <p:spTree>
+      <p:nvGrpSpPr>
+        <p:cNvPr id="1" name=""/>
+        <p:cNvGrpSpPr/>
+        <p:nvPr/>
+      </p:nvGrpSpPr>
+      <p:grpSpPr>
+        <a:xfrm>
+          <a:off x="0" y="0"/>
+          <a:ext cx="0" cy="0"/>
+          <a:chOff x="0" y="0"/>
+          <a:chExt cx="0" cy="0"/>
+        </a:xfrm>
+      </p:grpSpPr>
+      <p:sp>
+        <p:nvSpPr>
+          <p:cNvPr id="2" name="正方形/長方形 1"/>
+          <p:cNvSpPr/>
+          <p:nvPr/>
+        </p:nvSpPr>
+        <p:spPr>
+          <a:xfrm>
+            <a:off x="1055440" y="1988840"/>
+            <a:ext cx="720080" cy="720080"/>
+          </a:xfrm>
+          <a:prstGeom prst="rect">
+            <a:avLst/>
+          </a:prstGeom>
+          <a:noFill/>
+          <a:ln>
+            <a:solidFill>
+              <a:schemeClr val="tx1"/>
+            </a:solidFill>
+          </a:ln>
+        </p:spPr>
+        <p:style>
+          <a:lnRef idx="2">
+            <a:schemeClr val="accent1">
+              <a:shade val="50000"/>
+            </a:schemeClr>
+          </a:lnRef>
+          <a:fillRef idx="1">
+            <a:schemeClr val="accent1"/>
+          </a:fillRef>
+          <a:effectRef idx="0">
+            <a:schemeClr val="accent1"/>
+          </a:effectRef>
+          <a:fontRef idx="minor">
+            <a:schemeClr val="lt1"/>
+          </a:fontRef>
+        </p:style>
+        <p:txBody>
+          <a:bodyPr rtlCol="0" anchor="ctr"/>
+          <a:lstStyle/>
+          <a:p>
+            <a:pPr algn="ctr"/>
+            <a:r>
+              <a:rPr lang="en-US" altLang="ja-JP">
+                <a:solidFill>
+                  <a:schemeClr val="tx1"/>
+                </a:solidFill>
+                <a:latin typeface="Consolas" panose="020B0609020204030204" pitchFamily="49" charset="0"/>
+              </a:rPr>
+              <a:t>7</a:t>
+            </a:r>
+            <a:r>
+              <a:rPr lang="en-US" altLang="ja-JP" smtClean="0">
+                <a:solidFill>
+                  <a:schemeClr val="tx1"/>
+                </a:solidFill>
+                <a:latin typeface="Consolas" panose="020B0609020204030204" pitchFamily="49" charset="0"/>
+              </a:rPr>
+              <a:t>.0</a:t>
+            </a:r>
+            <a:endParaRPr kumimoji="1" lang="ja-JP" altLang="en-US">
+              <a:solidFill>
+                <a:schemeClr val="tx1"/>
+              </a:solidFill>
+              <a:latin typeface="Consolas" panose="020B0609020204030204" pitchFamily="49" charset="0"/>
+            </a:endParaRPr>
+          </a:p>
+        </p:txBody>
+      </p:sp>
+      <p:sp>
+        <p:nvSpPr>
+          <p:cNvPr id="3" name="正方形/長方形 2"/>
+          <p:cNvSpPr/>
+          <p:nvPr/>
+        </p:nvSpPr>
+        <p:spPr>
+          <a:xfrm>
+            <a:off x="1775520" y="1988840"/>
+            <a:ext cx="720080" cy="720080"/>
+          </a:xfrm>
+          <a:prstGeom prst="rect">
+            <a:avLst/>
+          </a:prstGeom>
+          <a:noFill/>
+          <a:ln>
+            <a:solidFill>
+              <a:schemeClr val="tx1"/>
+            </a:solidFill>
+          </a:ln>
+        </p:spPr>
+        <p:style>
+          <a:lnRef idx="2">
+            <a:schemeClr val="accent1">
+              <a:shade val="50000"/>
+            </a:schemeClr>
+          </a:lnRef>
+          <a:fillRef idx="1">
+            <a:schemeClr val="accent1"/>
+          </a:fillRef>
+          <a:effectRef idx="0">
+            <a:schemeClr val="accent1"/>
+          </a:effectRef>
+          <a:fontRef idx="minor">
+            <a:schemeClr val="lt1"/>
+          </a:fontRef>
+        </p:style>
+        <p:txBody>
+          <a:bodyPr rtlCol="0" anchor="ctr"/>
+          <a:lstStyle/>
+          <a:p>
+            <a:pPr algn="ctr"/>
+            <a:r>
+              <a:rPr lang="en-US" altLang="ja-JP" smtClean="0">
+                <a:solidFill>
+                  <a:schemeClr val="tx1"/>
+                </a:solidFill>
+                <a:latin typeface="Consolas" panose="020B0609020204030204" pitchFamily="49" charset="0"/>
+              </a:rPr>
+              <a:t>6.0</a:t>
+            </a:r>
+            <a:endParaRPr kumimoji="1" lang="ja-JP" altLang="en-US">
+              <a:solidFill>
+                <a:schemeClr val="tx1"/>
+              </a:solidFill>
+              <a:latin typeface="Consolas" panose="020B0609020204030204" pitchFamily="49" charset="0"/>
+            </a:endParaRPr>
+          </a:p>
+        </p:txBody>
+      </p:sp>
+      <p:sp>
+        <p:nvSpPr>
+          <p:cNvPr id="4" name="正方形/長方形 3"/>
+          <p:cNvSpPr/>
+          <p:nvPr/>
+        </p:nvSpPr>
+        <p:spPr>
+          <a:xfrm>
+            <a:off x="2495600" y="1988840"/>
+            <a:ext cx="720080" cy="720080"/>
+          </a:xfrm>
+          <a:prstGeom prst="rect">
+            <a:avLst/>
+          </a:prstGeom>
+          <a:noFill/>
+          <a:ln>
+            <a:solidFill>
+              <a:schemeClr val="tx1"/>
+            </a:solidFill>
+          </a:ln>
+        </p:spPr>
+        <p:style>
+          <a:lnRef idx="2">
+            <a:schemeClr val="accent1">
+              <a:shade val="50000"/>
+            </a:schemeClr>
+          </a:lnRef>
+          <a:fillRef idx="1">
+            <a:schemeClr val="accent1"/>
+          </a:fillRef>
+          <a:effectRef idx="0">
+            <a:schemeClr val="accent1"/>
+          </a:effectRef>
+          <a:fontRef idx="minor">
+            <a:schemeClr val="lt1"/>
+          </a:fontRef>
+        </p:style>
+        <p:txBody>
+          <a:bodyPr rtlCol="0" anchor="ctr"/>
+          <a:lstStyle/>
+          <a:p>
+            <a:pPr algn="ctr"/>
+            <a:r>
+              <a:rPr lang="en-US" altLang="ja-JP">
+                <a:solidFill>
+                  <a:schemeClr val="tx1"/>
+                </a:solidFill>
+                <a:latin typeface="Consolas" panose="020B0609020204030204" pitchFamily="49" charset="0"/>
+              </a:rPr>
+              <a:t>5</a:t>
+            </a:r>
+            <a:r>
+              <a:rPr lang="en-US" altLang="ja-JP" smtClean="0">
+                <a:solidFill>
+                  <a:schemeClr val="tx1"/>
+                </a:solidFill>
+                <a:latin typeface="Consolas" panose="020B0609020204030204" pitchFamily="49" charset="0"/>
+              </a:rPr>
+              <a:t>.0</a:t>
+            </a:r>
+            <a:endParaRPr kumimoji="1" lang="ja-JP" altLang="en-US">
+              <a:solidFill>
+                <a:schemeClr val="tx1"/>
+              </a:solidFill>
+              <a:latin typeface="Consolas" panose="020B0609020204030204" pitchFamily="49" charset="0"/>
+            </a:endParaRPr>
+          </a:p>
+        </p:txBody>
+      </p:sp>
+      <p:sp>
+        <p:nvSpPr>
+          <p:cNvPr id="5" name="正方形/長方形 4"/>
+          <p:cNvSpPr/>
+          <p:nvPr/>
+        </p:nvSpPr>
+        <p:spPr>
+          <a:xfrm>
+            <a:off x="3215680" y="1988840"/>
+            <a:ext cx="720080" cy="720080"/>
+          </a:xfrm>
+          <a:prstGeom prst="rect">
+            <a:avLst/>
+          </a:prstGeom>
+          <a:noFill/>
+          <a:ln>
+            <a:solidFill>
+              <a:schemeClr val="tx1"/>
+            </a:solidFill>
+          </a:ln>
+        </p:spPr>
+        <p:style>
+          <a:lnRef idx="2">
+            <a:schemeClr val="accent1">
+              <a:shade val="50000"/>
+            </a:schemeClr>
+          </a:lnRef>
+          <a:fillRef idx="1">
+            <a:schemeClr val="accent1"/>
+          </a:fillRef>
+          <a:effectRef idx="0">
+            <a:schemeClr val="accent1"/>
+          </a:effectRef>
+          <a:fontRef idx="minor">
+            <a:schemeClr val="lt1"/>
+          </a:fontRef>
+        </p:style>
+        <p:txBody>
+          <a:bodyPr rtlCol="0" anchor="ctr"/>
+          <a:lstStyle/>
+          <a:p>
+            <a:pPr algn="ctr"/>
+            <a:r>
+              <a:rPr lang="en-US" altLang="ja-JP" smtClean="0">
+                <a:solidFill>
+                  <a:schemeClr val="tx1"/>
+                </a:solidFill>
+                <a:latin typeface="Consolas" panose="020B0609020204030204" pitchFamily="49" charset="0"/>
+              </a:rPr>
+              <a:t>4.0</a:t>
+            </a:r>
+            <a:endParaRPr kumimoji="1" lang="ja-JP" altLang="en-US">
+              <a:solidFill>
+                <a:schemeClr val="tx1"/>
+              </a:solidFill>
+              <a:latin typeface="Consolas" panose="020B0609020204030204" pitchFamily="49" charset="0"/>
+            </a:endParaRPr>
+          </a:p>
+        </p:txBody>
+      </p:sp>
+      <p:sp>
+        <p:nvSpPr>
+          <p:cNvPr id="6" name="正方形/長方形 5"/>
+          <p:cNvSpPr/>
+          <p:nvPr/>
+        </p:nvSpPr>
+        <p:spPr>
+          <a:xfrm>
+            <a:off x="3935760" y="1988840"/>
+            <a:ext cx="720080" cy="720080"/>
+          </a:xfrm>
+          <a:prstGeom prst="rect">
+            <a:avLst/>
+          </a:prstGeom>
+          <a:noFill/>
+          <a:ln>
+            <a:solidFill>
+              <a:schemeClr val="tx1"/>
+            </a:solidFill>
+          </a:ln>
+        </p:spPr>
+        <p:style>
+          <a:lnRef idx="2">
+            <a:schemeClr val="accent1">
+              <a:shade val="50000"/>
+            </a:schemeClr>
+          </a:lnRef>
+          <a:fillRef idx="1">
+            <a:schemeClr val="accent1"/>
+          </a:fillRef>
+          <a:effectRef idx="0">
+            <a:schemeClr val="accent1"/>
+          </a:effectRef>
+          <a:fontRef idx="minor">
+            <a:schemeClr val="lt1"/>
+          </a:fontRef>
+        </p:style>
+        <p:txBody>
+          <a:bodyPr rtlCol="0" anchor="ctr"/>
+          <a:lstStyle/>
+          <a:p>
+            <a:pPr algn="ctr"/>
+            <a:r>
+              <a:rPr lang="en-US" altLang="ja-JP">
+                <a:solidFill>
+                  <a:schemeClr val="tx1"/>
+                </a:solidFill>
+                <a:latin typeface="Consolas" panose="020B0609020204030204" pitchFamily="49" charset="0"/>
+              </a:rPr>
+              <a:t>3</a:t>
+            </a:r>
+            <a:r>
+              <a:rPr lang="en-US" altLang="ja-JP" smtClean="0">
+                <a:solidFill>
+                  <a:schemeClr val="tx1"/>
+                </a:solidFill>
+                <a:latin typeface="Consolas" panose="020B0609020204030204" pitchFamily="49" charset="0"/>
+              </a:rPr>
+              <a:t>.0</a:t>
+            </a:r>
+            <a:endParaRPr kumimoji="1" lang="ja-JP" altLang="en-US">
+              <a:solidFill>
+                <a:schemeClr val="tx1"/>
+              </a:solidFill>
+              <a:latin typeface="Consolas" panose="020B0609020204030204" pitchFamily="49" charset="0"/>
+            </a:endParaRPr>
+          </a:p>
+        </p:txBody>
+      </p:sp>
+      <p:sp>
+        <p:nvSpPr>
+          <p:cNvPr id="7" name="正方形/長方形 6"/>
+          <p:cNvSpPr/>
+          <p:nvPr/>
+        </p:nvSpPr>
+        <p:spPr>
+          <a:xfrm>
+            <a:off x="4655840" y="1988840"/>
+            <a:ext cx="720080" cy="720080"/>
+          </a:xfrm>
+          <a:prstGeom prst="rect">
+            <a:avLst/>
+          </a:prstGeom>
+          <a:noFill/>
+          <a:ln>
+            <a:solidFill>
+              <a:schemeClr val="tx1"/>
+            </a:solidFill>
+          </a:ln>
+        </p:spPr>
+        <p:style>
+          <a:lnRef idx="2">
+            <a:schemeClr val="accent1">
+              <a:shade val="50000"/>
+            </a:schemeClr>
+          </a:lnRef>
+          <a:fillRef idx="1">
+            <a:schemeClr val="accent1"/>
+          </a:fillRef>
+          <a:effectRef idx="0">
+            <a:schemeClr val="accent1"/>
+          </a:effectRef>
+          <a:fontRef idx="minor">
+            <a:schemeClr val="lt1"/>
+          </a:fontRef>
+        </p:style>
+        <p:txBody>
+          <a:bodyPr rtlCol="0" anchor="ctr"/>
+          <a:lstStyle/>
+          <a:p>
+            <a:pPr algn="ctr"/>
+            <a:r>
+              <a:rPr lang="en-US" altLang="ja-JP" smtClean="0">
+                <a:solidFill>
+                  <a:schemeClr val="tx1"/>
+                </a:solidFill>
+                <a:latin typeface="Consolas" panose="020B0609020204030204" pitchFamily="49" charset="0"/>
+              </a:rPr>
+              <a:t>2.0</a:t>
+            </a:r>
+            <a:endParaRPr kumimoji="1" lang="ja-JP" altLang="en-US">
+              <a:solidFill>
+                <a:schemeClr val="tx1"/>
+              </a:solidFill>
+              <a:latin typeface="Consolas" panose="020B0609020204030204" pitchFamily="49" charset="0"/>
+            </a:endParaRPr>
+          </a:p>
+        </p:txBody>
+      </p:sp>
+      <p:sp>
+        <p:nvSpPr>
+          <p:cNvPr id="8" name="正方形/長方形 7"/>
+          <p:cNvSpPr/>
+          <p:nvPr/>
+        </p:nvSpPr>
+        <p:spPr>
+          <a:xfrm>
+            <a:off x="5375920" y="1988840"/>
+            <a:ext cx="720080" cy="720080"/>
+          </a:xfrm>
+          <a:prstGeom prst="rect">
+            <a:avLst/>
+          </a:prstGeom>
+          <a:noFill/>
+          <a:ln>
+            <a:solidFill>
+              <a:schemeClr val="tx1"/>
+            </a:solidFill>
+          </a:ln>
+        </p:spPr>
+        <p:style>
+          <a:lnRef idx="2">
+            <a:schemeClr val="accent1">
+              <a:shade val="50000"/>
+            </a:schemeClr>
+          </a:lnRef>
+          <a:fillRef idx="1">
+            <a:schemeClr val="accent1"/>
+          </a:fillRef>
+          <a:effectRef idx="0">
+            <a:schemeClr val="accent1"/>
+          </a:effectRef>
+          <a:fontRef idx="minor">
+            <a:schemeClr val="lt1"/>
+          </a:fontRef>
+        </p:style>
+        <p:txBody>
+          <a:bodyPr rtlCol="0" anchor="ctr"/>
+          <a:lstStyle/>
+          <a:p>
+            <a:pPr algn="ctr"/>
+            <a:r>
+              <a:rPr lang="en-US" altLang="ja-JP" smtClean="0">
+                <a:solidFill>
+                  <a:schemeClr val="tx1"/>
+                </a:solidFill>
+                <a:latin typeface="Consolas" panose="020B0609020204030204" pitchFamily="49" charset="0"/>
+              </a:rPr>
+              <a:t>1.0</a:t>
+            </a:r>
+            <a:endParaRPr kumimoji="1" lang="ja-JP" altLang="en-US">
+              <a:solidFill>
+                <a:schemeClr val="tx1"/>
+              </a:solidFill>
+              <a:latin typeface="Consolas" panose="020B0609020204030204" pitchFamily="49" charset="0"/>
+            </a:endParaRPr>
+          </a:p>
+        </p:txBody>
+      </p:sp>
+      <p:sp>
+        <p:nvSpPr>
+          <p:cNvPr id="9" name="正方形/長方形 8"/>
+          <p:cNvSpPr/>
+          <p:nvPr/>
+        </p:nvSpPr>
+        <p:spPr>
+          <a:xfrm>
+            <a:off x="6096000" y="1988840"/>
+            <a:ext cx="720080" cy="720080"/>
+          </a:xfrm>
+          <a:prstGeom prst="rect">
+            <a:avLst/>
+          </a:prstGeom>
+          <a:noFill/>
+          <a:ln>
+            <a:solidFill>
+              <a:schemeClr val="tx1"/>
+            </a:solidFill>
+          </a:ln>
+        </p:spPr>
+        <p:style>
+          <a:lnRef idx="2">
+            <a:schemeClr val="accent1">
+              <a:shade val="50000"/>
+            </a:schemeClr>
+          </a:lnRef>
+          <a:fillRef idx="1">
+            <a:schemeClr val="accent1"/>
+          </a:fillRef>
+          <a:effectRef idx="0">
+            <a:schemeClr val="accent1"/>
+          </a:effectRef>
+          <a:fontRef idx="minor">
+            <a:schemeClr val="lt1"/>
+          </a:fontRef>
+        </p:style>
+        <p:txBody>
+          <a:bodyPr rtlCol="0" anchor="ctr"/>
+          <a:lstStyle/>
+          <a:p>
+            <a:pPr algn="ctr"/>
+            <a:r>
+              <a:rPr lang="en-US" altLang="ja-JP" smtClean="0">
+                <a:solidFill>
+                  <a:schemeClr val="tx1"/>
+                </a:solidFill>
+                <a:latin typeface="Consolas" panose="020B0609020204030204" pitchFamily="49" charset="0"/>
+              </a:rPr>
+              <a:t>0.0</a:t>
+            </a:r>
+            <a:endParaRPr kumimoji="1" lang="ja-JP" altLang="en-US">
+              <a:solidFill>
+                <a:schemeClr val="tx1"/>
+              </a:solidFill>
+              <a:latin typeface="Consolas" panose="020B0609020204030204" pitchFamily="49" charset="0"/>
+            </a:endParaRPr>
+          </a:p>
+        </p:txBody>
+      </p:sp>
+      <p:cxnSp>
+        <p:nvCxnSpPr>
+          <p:cNvPr id="10" name="直線コネクタ 9"/>
+          <p:cNvCxnSpPr/>
+          <p:nvPr/>
+        </p:nvCxnSpPr>
+        <p:spPr>
+          <a:xfrm>
+            <a:off x="335360" y="1988840"/>
+            <a:ext cx="720080" cy="0"/>
+          </a:xfrm>
+          <a:prstGeom prst="line">
+            <a:avLst/>
+          </a:prstGeom>
+          <a:ln>
+            <a:solidFill>
+              <a:schemeClr val="tx1"/>
+            </a:solidFill>
+            <a:prstDash val="dash"/>
+          </a:ln>
+        </p:spPr>
+        <p:style>
+          <a:lnRef idx="1">
+            <a:schemeClr val="accent1"/>
+          </a:lnRef>
+          <a:fillRef idx="0">
+            <a:schemeClr val="accent1"/>
+          </a:fillRef>
+          <a:effectRef idx="0">
+            <a:schemeClr val="accent1"/>
+          </a:effectRef>
+          <a:fontRef idx="minor">
+            <a:schemeClr val="tx1"/>
+          </a:fontRef>
+        </p:style>
+      </p:cxnSp>
+      <p:cxnSp>
+        <p:nvCxnSpPr>
+          <p:cNvPr id="11" name="直線コネクタ 10"/>
+          <p:cNvCxnSpPr/>
+          <p:nvPr/>
+        </p:nvCxnSpPr>
+        <p:spPr>
+          <a:xfrm>
+            <a:off x="335360" y="2708920"/>
+            <a:ext cx="720080" cy="0"/>
+          </a:xfrm>
+          <a:prstGeom prst="line">
+            <a:avLst/>
+          </a:prstGeom>
+          <a:ln>
+            <a:solidFill>
+              <a:schemeClr val="tx1"/>
+            </a:solidFill>
+            <a:prstDash val="dash"/>
+          </a:ln>
+        </p:spPr>
+        <p:style>
+          <a:lnRef idx="1">
+            <a:schemeClr val="accent1"/>
+          </a:lnRef>
+          <a:fillRef idx="0">
+            <a:schemeClr val="accent1"/>
+          </a:fillRef>
+          <a:effectRef idx="0">
+            <a:schemeClr val="accent1"/>
+          </a:effectRef>
+          <a:fontRef idx="minor">
+            <a:schemeClr val="tx1"/>
+          </a:fontRef>
+        </p:style>
+      </p:cxnSp>
+      <p:sp>
+        <p:nvSpPr>
+          <p:cNvPr id="20" name="テキスト ボックス 19"/>
+          <p:cNvSpPr txBox="1"/>
+          <p:nvPr/>
+        </p:nvSpPr>
+        <p:spPr>
+          <a:xfrm>
+            <a:off x="7026212" y="2062589"/>
+            <a:ext cx="437940" cy="646331"/>
+          </a:xfrm>
+          <a:prstGeom prst="rect">
+            <a:avLst/>
+          </a:prstGeom>
+          <a:noFill/>
+        </p:spPr>
+        <p:txBody>
+          <a:bodyPr wrap="none" rtlCol="0">
+            <a:spAutoFit/>
+          </a:bodyPr>
+          <a:lstStyle/>
+          <a:p>
+            <a:r>
+              <a:rPr kumimoji="1" lang="en-US" altLang="ja-JP" sz="3600" smtClean="0">
+                <a:latin typeface="Consolas" panose="020B0609020204030204" pitchFamily="49" charset="0"/>
+              </a:rPr>
+              <a:t>a</a:t>
+            </a:r>
+            <a:endParaRPr kumimoji="1" lang="ja-JP" altLang="en-US" sz="3600">
+              <a:latin typeface="Consolas" panose="020B0609020204030204" pitchFamily="49" charset="0"/>
+            </a:endParaRPr>
+          </a:p>
+        </p:txBody>
+      </p:sp>
+      <p:grpSp>
+        <p:nvGrpSpPr>
+          <p:cNvPr id="56" name="グループ化 55"/>
+          <p:cNvGrpSpPr/>
+          <p:nvPr/>
+        </p:nvGrpSpPr>
+        <p:grpSpPr>
+          <a:xfrm>
+            <a:off x="7321186" y="3645024"/>
+            <a:ext cx="2881370" cy="360171"/>
+            <a:chOff x="1054390" y="4149080"/>
+            <a:chExt cx="5760640" cy="720080"/>
+          </a:xfrm>
+        </p:grpSpPr>
+        <p:sp>
+          <p:nvSpPr>
+            <p:cNvPr id="22" name="正方形/長方形 21"/>
+            <p:cNvSpPr/>
+            <p:nvPr/>
+          </p:nvSpPr>
+          <p:spPr>
+            <a:xfrm>
+              <a:off x="1054390" y="4149080"/>
+              <a:ext cx="720080" cy="720080"/>
+            </a:xfrm>
+            <a:prstGeom prst="rect">
+              <a:avLst/>
+            </a:prstGeom>
+            <a:noFill/>
+            <a:ln w="28575">
+              <a:solidFill>
+                <a:srgbClr val="0070C0"/>
+              </a:solidFill>
+            </a:ln>
+          </p:spPr>
+          <p:style>
+            <a:lnRef idx="2">
+              <a:schemeClr val="accent1">
+                <a:shade val="50000"/>
+              </a:schemeClr>
+            </a:lnRef>
+            <a:fillRef idx="1">
+              <a:schemeClr val="accent1"/>
+            </a:fillRef>
+            <a:effectRef idx="0">
+              <a:schemeClr val="accent1"/>
+            </a:effectRef>
+            <a:fontRef idx="minor">
+              <a:schemeClr val="lt1"/>
+            </a:fontRef>
+          </p:style>
+          <p:txBody>
+            <a:bodyPr rtlCol="0" anchor="ctr"/>
+            <a:lstStyle/>
+            <a:p>
+              <a:pPr algn="ctr"/>
+              <a:r>
+                <a:rPr lang="en-US" altLang="ja-JP" smtClean="0">
+                  <a:solidFill>
+                    <a:schemeClr val="tx1"/>
+                  </a:solidFill>
+                  <a:latin typeface="Consolas" panose="020B0609020204030204" pitchFamily="49" charset="0"/>
+                </a:rPr>
+                <a:t>1</a:t>
+              </a:r>
+              <a:endParaRPr kumimoji="1" lang="ja-JP" altLang="en-US">
+                <a:solidFill>
+                  <a:schemeClr val="tx1"/>
+                </a:solidFill>
+                <a:latin typeface="Consolas" panose="020B0609020204030204" pitchFamily="49" charset="0"/>
+              </a:endParaRPr>
+            </a:p>
+          </p:txBody>
+        </p:sp>
+        <p:sp>
+          <p:nvSpPr>
+            <p:cNvPr id="23" name="正方形/長方形 22"/>
+            <p:cNvSpPr/>
+            <p:nvPr/>
+          </p:nvSpPr>
+          <p:spPr>
+            <a:xfrm>
+              <a:off x="1774470" y="4149080"/>
+              <a:ext cx="720080" cy="720080"/>
+            </a:xfrm>
+            <a:prstGeom prst="rect">
+              <a:avLst/>
+            </a:prstGeom>
+            <a:noFill/>
+            <a:ln w="28575">
+              <a:solidFill>
+                <a:srgbClr val="0070C0"/>
+              </a:solidFill>
+            </a:ln>
+          </p:spPr>
+          <p:style>
+            <a:lnRef idx="2">
+              <a:schemeClr val="accent1">
+                <a:shade val="50000"/>
+              </a:schemeClr>
+            </a:lnRef>
+            <a:fillRef idx="1">
+              <a:schemeClr val="accent1"/>
+            </a:fillRef>
+            <a:effectRef idx="0">
+              <a:schemeClr val="accent1"/>
+            </a:effectRef>
+            <a:fontRef idx="minor">
+              <a:schemeClr val="lt1"/>
+            </a:fontRef>
+          </p:style>
+          <p:txBody>
+            <a:bodyPr rtlCol="0" anchor="ctr"/>
+            <a:lstStyle/>
+            <a:p>
+              <a:pPr algn="ctr"/>
+              <a:r>
+                <a:rPr kumimoji="1" lang="en-US" altLang="ja-JP" smtClean="0">
+                  <a:solidFill>
+                    <a:schemeClr val="tx1"/>
+                  </a:solidFill>
+                  <a:latin typeface="Consolas" panose="020B0609020204030204" pitchFamily="49" charset="0"/>
+                </a:rPr>
+                <a:t>7</a:t>
+              </a:r>
+              <a:endParaRPr kumimoji="1" lang="ja-JP" altLang="en-US">
+                <a:solidFill>
+                  <a:schemeClr val="tx1"/>
+                </a:solidFill>
+                <a:latin typeface="Consolas" panose="020B0609020204030204" pitchFamily="49" charset="0"/>
+              </a:endParaRPr>
+            </a:p>
+          </p:txBody>
+        </p:sp>
+        <p:sp>
+          <p:nvSpPr>
+            <p:cNvPr id="24" name="正方形/長方形 23"/>
+            <p:cNvSpPr/>
+            <p:nvPr/>
+          </p:nvSpPr>
+          <p:spPr>
+            <a:xfrm>
+              <a:off x="2494550" y="4149080"/>
+              <a:ext cx="720080" cy="720080"/>
+            </a:xfrm>
+            <a:prstGeom prst="rect">
+              <a:avLst/>
+            </a:prstGeom>
+            <a:noFill/>
+            <a:ln w="28575">
+              <a:solidFill>
+                <a:srgbClr val="0070C0"/>
+              </a:solidFill>
+            </a:ln>
+          </p:spPr>
+          <p:style>
+            <a:lnRef idx="2">
+              <a:schemeClr val="accent1">
+                <a:shade val="50000"/>
+              </a:schemeClr>
+            </a:lnRef>
+            <a:fillRef idx="1">
+              <a:schemeClr val="accent1"/>
+            </a:fillRef>
+            <a:effectRef idx="0">
+              <a:schemeClr val="accent1"/>
+            </a:effectRef>
+            <a:fontRef idx="minor">
+              <a:schemeClr val="lt1"/>
+            </a:fontRef>
+          </p:style>
+          <p:txBody>
+            <a:bodyPr rtlCol="0" anchor="ctr"/>
+            <a:lstStyle/>
+            <a:p>
+              <a:pPr algn="ctr"/>
+              <a:r>
+                <a:rPr lang="en-US" altLang="ja-JP" smtClean="0">
+                  <a:solidFill>
+                    <a:schemeClr val="tx1"/>
+                  </a:solidFill>
+                  <a:latin typeface="Consolas" panose="020B0609020204030204" pitchFamily="49" charset="0"/>
+                </a:rPr>
+                <a:t>6</a:t>
+              </a:r>
+              <a:endParaRPr kumimoji="1" lang="ja-JP" altLang="en-US">
+                <a:solidFill>
+                  <a:schemeClr val="tx1"/>
+                </a:solidFill>
+                <a:latin typeface="Consolas" panose="020B0609020204030204" pitchFamily="49" charset="0"/>
+              </a:endParaRPr>
+            </a:p>
+          </p:txBody>
+        </p:sp>
+        <p:sp>
+          <p:nvSpPr>
+            <p:cNvPr id="25" name="正方形/長方形 24"/>
+            <p:cNvSpPr/>
+            <p:nvPr/>
+          </p:nvSpPr>
+          <p:spPr>
+            <a:xfrm>
+              <a:off x="3214630" y="4149080"/>
+              <a:ext cx="720080" cy="720080"/>
+            </a:xfrm>
+            <a:prstGeom prst="rect">
+              <a:avLst/>
+            </a:prstGeom>
+            <a:noFill/>
+            <a:ln w="28575">
+              <a:solidFill>
+                <a:srgbClr val="0070C0"/>
+              </a:solidFill>
+            </a:ln>
+          </p:spPr>
+          <p:style>
+            <a:lnRef idx="2">
+              <a:schemeClr val="accent1">
+                <a:shade val="50000"/>
+              </a:schemeClr>
+            </a:lnRef>
+            <a:fillRef idx="1">
+              <a:schemeClr val="accent1"/>
+            </a:fillRef>
+            <a:effectRef idx="0">
+              <a:schemeClr val="accent1"/>
+            </a:effectRef>
+            <a:fontRef idx="minor">
+              <a:schemeClr val="lt1"/>
+            </a:fontRef>
+          </p:style>
+          <p:txBody>
+            <a:bodyPr rtlCol="0" anchor="ctr"/>
+            <a:lstStyle/>
+            <a:p>
+              <a:pPr algn="ctr"/>
+              <a:r>
+                <a:rPr lang="en-US" altLang="ja-JP" smtClean="0">
+                  <a:solidFill>
+                    <a:schemeClr val="tx1"/>
+                  </a:solidFill>
+                  <a:latin typeface="Consolas" panose="020B0609020204030204" pitchFamily="49" charset="0"/>
+                </a:rPr>
+                <a:t>4</a:t>
+              </a:r>
+              <a:endParaRPr kumimoji="1" lang="ja-JP" altLang="en-US">
+                <a:solidFill>
+                  <a:schemeClr val="tx1"/>
+                </a:solidFill>
+                <a:latin typeface="Consolas" panose="020B0609020204030204" pitchFamily="49" charset="0"/>
+              </a:endParaRPr>
+            </a:p>
+          </p:txBody>
+        </p:sp>
+        <p:sp>
+          <p:nvSpPr>
+            <p:cNvPr id="26" name="正方形/長方形 25"/>
+            <p:cNvSpPr/>
+            <p:nvPr/>
+          </p:nvSpPr>
+          <p:spPr>
+            <a:xfrm>
+              <a:off x="3934710" y="4149080"/>
+              <a:ext cx="720080" cy="720080"/>
+            </a:xfrm>
+            <a:prstGeom prst="rect">
+              <a:avLst/>
+            </a:prstGeom>
+            <a:noFill/>
+            <a:ln w="28575">
+              <a:solidFill>
+                <a:srgbClr val="0070C0"/>
+              </a:solidFill>
+            </a:ln>
+          </p:spPr>
+          <p:style>
+            <a:lnRef idx="2">
+              <a:schemeClr val="accent1">
+                <a:shade val="50000"/>
+              </a:schemeClr>
+            </a:lnRef>
+            <a:fillRef idx="1">
+              <a:schemeClr val="accent1"/>
+            </a:fillRef>
+            <a:effectRef idx="0">
+              <a:schemeClr val="accent1"/>
+            </a:effectRef>
+            <a:fontRef idx="minor">
+              <a:schemeClr val="lt1"/>
+            </a:fontRef>
+          </p:style>
+          <p:txBody>
+            <a:bodyPr rtlCol="0" anchor="ctr"/>
+            <a:lstStyle/>
+            <a:p>
+              <a:pPr algn="ctr"/>
+              <a:r>
+                <a:rPr lang="en-US" altLang="ja-JP" smtClean="0">
+                  <a:solidFill>
+                    <a:schemeClr val="tx1"/>
+                  </a:solidFill>
+                  <a:latin typeface="Consolas" panose="020B0609020204030204" pitchFamily="49" charset="0"/>
+                </a:rPr>
+                <a:t>5</a:t>
+              </a:r>
+              <a:endParaRPr kumimoji="1" lang="ja-JP" altLang="en-US">
+                <a:solidFill>
+                  <a:schemeClr val="tx1"/>
+                </a:solidFill>
+                <a:latin typeface="Consolas" panose="020B0609020204030204" pitchFamily="49" charset="0"/>
+              </a:endParaRPr>
+            </a:p>
+          </p:txBody>
+        </p:sp>
+        <p:sp>
+          <p:nvSpPr>
+            <p:cNvPr id="27" name="正方形/長方形 26"/>
+            <p:cNvSpPr/>
+            <p:nvPr/>
+          </p:nvSpPr>
+          <p:spPr>
+            <a:xfrm>
+              <a:off x="4654790" y="4149080"/>
+              <a:ext cx="720080" cy="720080"/>
+            </a:xfrm>
+            <a:prstGeom prst="rect">
+              <a:avLst/>
+            </a:prstGeom>
+            <a:noFill/>
+            <a:ln w="28575">
+              <a:solidFill>
+                <a:srgbClr val="0070C0"/>
+              </a:solidFill>
+            </a:ln>
+          </p:spPr>
+          <p:style>
+            <a:lnRef idx="2">
+              <a:schemeClr val="accent1">
+                <a:shade val="50000"/>
+              </a:schemeClr>
+            </a:lnRef>
+            <a:fillRef idx="1">
+              <a:schemeClr val="accent1"/>
+            </a:fillRef>
+            <a:effectRef idx="0">
+              <a:schemeClr val="accent1"/>
+            </a:effectRef>
+            <a:fontRef idx="minor">
+              <a:schemeClr val="lt1"/>
+            </a:fontRef>
+          </p:style>
+          <p:txBody>
+            <a:bodyPr rtlCol="0" anchor="ctr"/>
+            <a:lstStyle/>
+            <a:p>
+              <a:pPr algn="ctr"/>
+              <a:r>
+                <a:rPr lang="en-US" altLang="ja-JP" smtClean="0">
+                  <a:solidFill>
+                    <a:schemeClr val="tx1"/>
+                  </a:solidFill>
+                  <a:latin typeface="Consolas" panose="020B0609020204030204" pitchFamily="49" charset="0"/>
+                </a:rPr>
+                <a:t>0</a:t>
+              </a:r>
+              <a:endParaRPr kumimoji="1" lang="ja-JP" altLang="en-US">
+                <a:solidFill>
+                  <a:schemeClr val="tx1"/>
+                </a:solidFill>
+                <a:latin typeface="Consolas" panose="020B0609020204030204" pitchFamily="49" charset="0"/>
+              </a:endParaRPr>
+            </a:p>
+          </p:txBody>
+        </p:sp>
+        <p:sp>
+          <p:nvSpPr>
+            <p:cNvPr id="28" name="正方形/長方形 27"/>
+            <p:cNvSpPr/>
+            <p:nvPr/>
+          </p:nvSpPr>
+          <p:spPr>
+            <a:xfrm>
+              <a:off x="5374870" y="4149080"/>
+              <a:ext cx="720080" cy="720080"/>
+            </a:xfrm>
+            <a:prstGeom prst="rect">
+              <a:avLst/>
+            </a:prstGeom>
+            <a:noFill/>
+            <a:ln w="28575">
+              <a:solidFill>
+                <a:srgbClr val="0070C0"/>
+              </a:solidFill>
+            </a:ln>
+          </p:spPr>
+          <p:style>
+            <a:lnRef idx="2">
+              <a:schemeClr val="accent1">
+                <a:shade val="50000"/>
+              </a:schemeClr>
+            </a:lnRef>
+            <a:fillRef idx="1">
+              <a:schemeClr val="accent1"/>
+            </a:fillRef>
+            <a:effectRef idx="0">
+              <a:schemeClr val="accent1"/>
+            </a:effectRef>
+            <a:fontRef idx="minor">
+              <a:schemeClr val="lt1"/>
+            </a:fontRef>
+          </p:style>
+          <p:txBody>
+            <a:bodyPr rtlCol="0" anchor="ctr"/>
+            <a:lstStyle/>
+            <a:p>
+              <a:pPr algn="ctr"/>
+              <a:r>
+                <a:rPr lang="en-US" altLang="ja-JP" smtClean="0">
+                  <a:solidFill>
+                    <a:schemeClr val="tx1"/>
+                  </a:solidFill>
+                  <a:latin typeface="Consolas" panose="020B0609020204030204" pitchFamily="49" charset="0"/>
+                </a:rPr>
+                <a:t>3</a:t>
+              </a:r>
+              <a:endParaRPr kumimoji="1" lang="ja-JP" altLang="en-US">
+                <a:solidFill>
+                  <a:schemeClr val="tx1"/>
+                </a:solidFill>
+                <a:latin typeface="Consolas" panose="020B0609020204030204" pitchFamily="49" charset="0"/>
+              </a:endParaRPr>
+            </a:p>
+          </p:txBody>
+        </p:sp>
+        <p:sp>
+          <p:nvSpPr>
+            <p:cNvPr id="29" name="正方形/長方形 28"/>
+            <p:cNvSpPr/>
+            <p:nvPr/>
+          </p:nvSpPr>
+          <p:spPr>
+            <a:xfrm>
+              <a:off x="6094950" y="4149080"/>
+              <a:ext cx="720080" cy="720080"/>
+            </a:xfrm>
+            <a:prstGeom prst="rect">
+              <a:avLst/>
+            </a:prstGeom>
+            <a:noFill/>
+            <a:ln w="28575">
+              <a:solidFill>
+                <a:srgbClr val="0070C0"/>
+              </a:solidFill>
+            </a:ln>
+          </p:spPr>
+          <p:style>
+            <a:lnRef idx="2">
+              <a:schemeClr val="accent1">
+                <a:shade val="50000"/>
+              </a:schemeClr>
+            </a:lnRef>
+            <a:fillRef idx="1">
+              <a:schemeClr val="accent1"/>
+            </a:fillRef>
+            <a:effectRef idx="0">
+              <a:schemeClr val="accent1"/>
+            </a:effectRef>
+            <a:fontRef idx="minor">
+              <a:schemeClr val="lt1"/>
+            </a:fontRef>
+          </p:style>
+          <p:txBody>
+            <a:bodyPr rtlCol="0" anchor="ctr"/>
+            <a:lstStyle/>
+            <a:p>
+              <a:pPr algn="ctr"/>
+              <a:r>
+                <a:rPr lang="en-US" altLang="ja-JP">
+                  <a:solidFill>
+                    <a:schemeClr val="tx1"/>
+                  </a:solidFill>
+                  <a:latin typeface="Consolas" panose="020B0609020204030204" pitchFamily="49" charset="0"/>
+                </a:rPr>
+                <a:t>2</a:t>
+              </a:r>
+              <a:endParaRPr kumimoji="1" lang="ja-JP" altLang="en-US">
+                <a:solidFill>
+                  <a:schemeClr val="tx1"/>
+                </a:solidFill>
+                <a:latin typeface="Consolas" panose="020B0609020204030204" pitchFamily="49" charset="0"/>
+              </a:endParaRPr>
+            </a:p>
+          </p:txBody>
+        </p:sp>
+      </p:grpSp>
+      <p:sp>
+        <p:nvSpPr>
+          <p:cNvPr id="30" name="テキスト ボックス 29"/>
+          <p:cNvSpPr txBox="1"/>
+          <p:nvPr/>
+        </p:nvSpPr>
+        <p:spPr>
+          <a:xfrm>
+            <a:off x="10201506" y="3645024"/>
+            <a:ext cx="1082348" cy="338554"/>
+          </a:xfrm>
+          <a:prstGeom prst="rect">
+            <a:avLst/>
+          </a:prstGeom>
+          <a:noFill/>
+        </p:spPr>
+        <p:txBody>
+          <a:bodyPr wrap="none" rtlCol="0">
+            <a:spAutoFit/>
+          </a:bodyPr>
+          <a:lstStyle/>
+          <a:p>
+            <a:r>
+              <a:rPr lang="en-US" altLang="ja-JP" sz="1600" smtClean="0">
+                <a:latin typeface="Consolas" panose="020B0609020204030204" pitchFamily="49" charset="0"/>
+              </a:rPr>
+              <a:t>vindices</a:t>
+            </a:r>
+            <a:endParaRPr kumimoji="1" lang="ja-JP" altLang="en-US" sz="1600">
+              <a:latin typeface="Consolas" panose="020B0609020204030204" pitchFamily="49" charset="0"/>
+            </a:endParaRPr>
+          </a:p>
+        </p:txBody>
+      </p:sp>
+      <p:sp>
+        <p:nvSpPr>
+          <p:cNvPr id="31" name="正方形/長方形 30"/>
+          <p:cNvSpPr/>
+          <p:nvPr/>
+        </p:nvSpPr>
+        <p:spPr>
+          <a:xfrm>
+            <a:off x="1055440" y="4149080"/>
+            <a:ext cx="720080" cy="720080"/>
+          </a:xfrm>
+          <a:prstGeom prst="rect">
+            <a:avLst/>
+          </a:prstGeom>
+          <a:noFill/>
+          <a:ln w="28575">
+            <a:solidFill>
+              <a:srgbClr val="0070C0"/>
+            </a:solidFill>
+          </a:ln>
+        </p:spPr>
+        <p:style>
+          <a:lnRef idx="2">
+            <a:schemeClr val="accent1">
+              <a:shade val="50000"/>
+            </a:schemeClr>
+          </a:lnRef>
+          <a:fillRef idx="1">
+            <a:schemeClr val="accent1"/>
+          </a:fillRef>
+          <a:effectRef idx="0">
+            <a:schemeClr val="accent1"/>
+          </a:effectRef>
+          <a:fontRef idx="minor">
+            <a:schemeClr val="lt1"/>
+          </a:fontRef>
+        </p:style>
+        <p:txBody>
+          <a:bodyPr rtlCol="0" anchor="ctr"/>
+          <a:lstStyle/>
+          <a:p>
+            <a:pPr algn="ctr"/>
+            <a:r>
+              <a:rPr lang="en-US" altLang="ja-JP" smtClean="0">
+                <a:solidFill>
+                  <a:schemeClr val="tx1"/>
+                </a:solidFill>
+                <a:latin typeface="Consolas" panose="020B0609020204030204" pitchFamily="49" charset="0"/>
+              </a:rPr>
+              <a:t>1.0</a:t>
+            </a:r>
+            <a:endParaRPr kumimoji="1" lang="ja-JP" altLang="en-US">
+              <a:solidFill>
+                <a:schemeClr val="tx1"/>
+              </a:solidFill>
+              <a:latin typeface="Consolas" panose="020B0609020204030204" pitchFamily="49" charset="0"/>
+            </a:endParaRPr>
+          </a:p>
+        </p:txBody>
+      </p:sp>
+      <p:sp>
+        <p:nvSpPr>
+          <p:cNvPr id="32" name="正方形/長方形 31"/>
+          <p:cNvSpPr/>
+          <p:nvPr/>
+        </p:nvSpPr>
+        <p:spPr>
+          <a:xfrm>
+            <a:off x="1775520" y="4149080"/>
+            <a:ext cx="720080" cy="720080"/>
+          </a:xfrm>
+          <a:prstGeom prst="rect">
+            <a:avLst/>
+          </a:prstGeom>
+          <a:noFill/>
+          <a:ln w="28575">
+            <a:solidFill>
+              <a:srgbClr val="0070C0"/>
+            </a:solidFill>
+          </a:ln>
+        </p:spPr>
+        <p:style>
+          <a:lnRef idx="2">
+            <a:schemeClr val="accent1">
+              <a:shade val="50000"/>
+            </a:schemeClr>
+          </a:lnRef>
+          <a:fillRef idx="1">
+            <a:schemeClr val="accent1"/>
+          </a:fillRef>
+          <a:effectRef idx="0">
+            <a:schemeClr val="accent1"/>
+          </a:effectRef>
+          <a:fontRef idx="minor">
+            <a:schemeClr val="lt1"/>
+          </a:fontRef>
+        </p:style>
+        <p:txBody>
+          <a:bodyPr rtlCol="0" anchor="ctr"/>
+          <a:lstStyle/>
+          <a:p>
+            <a:pPr algn="ctr"/>
+            <a:r>
+              <a:rPr kumimoji="1" lang="en-US" altLang="ja-JP" smtClean="0">
+                <a:solidFill>
+                  <a:schemeClr val="tx1"/>
+                </a:solidFill>
+                <a:latin typeface="Consolas" panose="020B0609020204030204" pitchFamily="49" charset="0"/>
+              </a:rPr>
+              <a:t>7.0</a:t>
+            </a:r>
+            <a:endParaRPr kumimoji="1" lang="ja-JP" altLang="en-US">
+              <a:solidFill>
+                <a:schemeClr val="tx1"/>
+              </a:solidFill>
+              <a:latin typeface="Consolas" panose="020B0609020204030204" pitchFamily="49" charset="0"/>
+            </a:endParaRPr>
+          </a:p>
+        </p:txBody>
+      </p:sp>
+      <p:sp>
+        <p:nvSpPr>
+          <p:cNvPr id="33" name="正方形/長方形 32"/>
+          <p:cNvSpPr/>
+          <p:nvPr/>
+        </p:nvSpPr>
+        <p:spPr>
+          <a:xfrm>
+            <a:off x="2495600" y="4149080"/>
+            <a:ext cx="720080" cy="720080"/>
+          </a:xfrm>
+          <a:prstGeom prst="rect">
+            <a:avLst/>
+          </a:prstGeom>
+          <a:noFill/>
+          <a:ln w="28575">
+            <a:solidFill>
+              <a:srgbClr val="0070C0"/>
+            </a:solidFill>
+          </a:ln>
+        </p:spPr>
+        <p:style>
+          <a:lnRef idx="2">
+            <a:schemeClr val="accent1">
+              <a:shade val="50000"/>
+            </a:schemeClr>
+          </a:lnRef>
+          <a:fillRef idx="1">
+            <a:schemeClr val="accent1"/>
+          </a:fillRef>
+          <a:effectRef idx="0">
+            <a:schemeClr val="accent1"/>
+          </a:effectRef>
+          <a:fontRef idx="minor">
+            <a:schemeClr val="lt1"/>
+          </a:fontRef>
+        </p:style>
+        <p:txBody>
+          <a:bodyPr rtlCol="0" anchor="ctr"/>
+          <a:lstStyle/>
+          <a:p>
+            <a:pPr algn="ctr"/>
+            <a:r>
+              <a:rPr lang="en-US" altLang="ja-JP" smtClean="0">
+                <a:solidFill>
+                  <a:schemeClr val="tx1"/>
+                </a:solidFill>
+                <a:latin typeface="Consolas" panose="020B0609020204030204" pitchFamily="49" charset="0"/>
+              </a:rPr>
+              <a:t>6.0</a:t>
+            </a:r>
+            <a:endParaRPr kumimoji="1" lang="ja-JP" altLang="en-US">
+              <a:solidFill>
+                <a:schemeClr val="tx1"/>
+              </a:solidFill>
+              <a:latin typeface="Consolas" panose="020B0609020204030204" pitchFamily="49" charset="0"/>
+            </a:endParaRPr>
+          </a:p>
+        </p:txBody>
+      </p:sp>
+      <p:sp>
+        <p:nvSpPr>
+          <p:cNvPr id="34" name="正方形/長方形 33"/>
+          <p:cNvSpPr/>
+          <p:nvPr/>
+        </p:nvSpPr>
+        <p:spPr>
+          <a:xfrm>
+            <a:off x="3215680" y="4149080"/>
+            <a:ext cx="720080" cy="720080"/>
+          </a:xfrm>
+          <a:prstGeom prst="rect">
+            <a:avLst/>
+          </a:prstGeom>
+          <a:noFill/>
+          <a:ln w="28575">
+            <a:solidFill>
+              <a:srgbClr val="0070C0"/>
+            </a:solidFill>
+          </a:ln>
+        </p:spPr>
+        <p:style>
+          <a:lnRef idx="2">
+            <a:schemeClr val="accent1">
+              <a:shade val="50000"/>
+            </a:schemeClr>
+          </a:lnRef>
+          <a:fillRef idx="1">
+            <a:schemeClr val="accent1"/>
+          </a:fillRef>
+          <a:effectRef idx="0">
+            <a:schemeClr val="accent1"/>
+          </a:effectRef>
+          <a:fontRef idx="minor">
+            <a:schemeClr val="lt1"/>
+          </a:fontRef>
+        </p:style>
+        <p:txBody>
+          <a:bodyPr rtlCol="0" anchor="ctr"/>
+          <a:lstStyle/>
+          <a:p>
+            <a:pPr algn="ctr"/>
+            <a:r>
+              <a:rPr lang="en-US" altLang="ja-JP" smtClean="0">
+                <a:solidFill>
+                  <a:schemeClr val="tx1"/>
+                </a:solidFill>
+                <a:latin typeface="Consolas" panose="020B0609020204030204" pitchFamily="49" charset="0"/>
+              </a:rPr>
+              <a:t>4.0</a:t>
+            </a:r>
+            <a:endParaRPr kumimoji="1" lang="ja-JP" altLang="en-US">
+              <a:solidFill>
+                <a:schemeClr val="tx1"/>
+              </a:solidFill>
+              <a:latin typeface="Consolas" panose="020B0609020204030204" pitchFamily="49" charset="0"/>
+            </a:endParaRPr>
+          </a:p>
+        </p:txBody>
+      </p:sp>
+      <p:sp>
+        <p:nvSpPr>
+          <p:cNvPr id="35" name="正方形/長方形 34"/>
+          <p:cNvSpPr/>
+          <p:nvPr/>
+        </p:nvSpPr>
+        <p:spPr>
+          <a:xfrm>
+            <a:off x="3935760" y="4149080"/>
+            <a:ext cx="720080" cy="720080"/>
+          </a:xfrm>
+          <a:prstGeom prst="rect">
+            <a:avLst/>
+          </a:prstGeom>
+          <a:noFill/>
+          <a:ln w="28575">
+            <a:solidFill>
+              <a:srgbClr val="0070C0"/>
+            </a:solidFill>
+          </a:ln>
+        </p:spPr>
+        <p:style>
+          <a:lnRef idx="2">
+            <a:schemeClr val="accent1">
+              <a:shade val="50000"/>
+            </a:schemeClr>
+          </a:lnRef>
+          <a:fillRef idx="1">
+            <a:schemeClr val="accent1"/>
+          </a:fillRef>
+          <a:effectRef idx="0">
+            <a:schemeClr val="accent1"/>
+          </a:effectRef>
+          <a:fontRef idx="minor">
+            <a:schemeClr val="lt1"/>
+          </a:fontRef>
+        </p:style>
+        <p:txBody>
+          <a:bodyPr rtlCol="0" anchor="ctr"/>
+          <a:lstStyle/>
+          <a:p>
+            <a:pPr algn="ctr"/>
+            <a:r>
+              <a:rPr lang="en-US" altLang="ja-JP" smtClean="0">
+                <a:solidFill>
+                  <a:schemeClr val="tx1"/>
+                </a:solidFill>
+                <a:latin typeface="Consolas" panose="020B0609020204030204" pitchFamily="49" charset="0"/>
+              </a:rPr>
+              <a:t>5.0</a:t>
+            </a:r>
+            <a:endParaRPr kumimoji="1" lang="ja-JP" altLang="en-US">
+              <a:solidFill>
+                <a:schemeClr val="tx1"/>
+              </a:solidFill>
+              <a:latin typeface="Consolas" panose="020B0609020204030204" pitchFamily="49" charset="0"/>
+            </a:endParaRPr>
+          </a:p>
+        </p:txBody>
+      </p:sp>
+      <p:sp>
+        <p:nvSpPr>
+          <p:cNvPr id="36" name="正方形/長方形 35"/>
+          <p:cNvSpPr/>
+          <p:nvPr/>
+        </p:nvSpPr>
+        <p:spPr>
+          <a:xfrm>
+            <a:off x="4655840" y="4149080"/>
+            <a:ext cx="720080" cy="720080"/>
+          </a:xfrm>
+          <a:prstGeom prst="rect">
+            <a:avLst/>
+          </a:prstGeom>
+          <a:noFill/>
+          <a:ln w="28575">
+            <a:solidFill>
+              <a:srgbClr val="0070C0"/>
+            </a:solidFill>
+          </a:ln>
+        </p:spPr>
+        <p:style>
+          <a:lnRef idx="2">
+            <a:schemeClr val="accent1">
+              <a:shade val="50000"/>
+            </a:schemeClr>
+          </a:lnRef>
+          <a:fillRef idx="1">
+            <a:schemeClr val="accent1"/>
+          </a:fillRef>
+          <a:effectRef idx="0">
+            <a:schemeClr val="accent1"/>
+          </a:effectRef>
+          <a:fontRef idx="minor">
+            <a:schemeClr val="lt1"/>
+          </a:fontRef>
+        </p:style>
+        <p:txBody>
+          <a:bodyPr rtlCol="0" anchor="ctr"/>
+          <a:lstStyle/>
+          <a:p>
+            <a:pPr algn="ctr"/>
+            <a:r>
+              <a:rPr lang="en-US" altLang="ja-JP" smtClean="0">
+                <a:solidFill>
+                  <a:schemeClr val="tx1"/>
+                </a:solidFill>
+                <a:latin typeface="Consolas" panose="020B0609020204030204" pitchFamily="49" charset="0"/>
+              </a:rPr>
+              <a:t>0.0</a:t>
+            </a:r>
+            <a:endParaRPr kumimoji="1" lang="ja-JP" altLang="en-US">
+              <a:solidFill>
+                <a:schemeClr val="tx1"/>
+              </a:solidFill>
+              <a:latin typeface="Consolas" panose="020B0609020204030204" pitchFamily="49" charset="0"/>
+            </a:endParaRPr>
+          </a:p>
+        </p:txBody>
+      </p:sp>
+      <p:sp>
+        <p:nvSpPr>
+          <p:cNvPr id="37" name="正方形/長方形 36"/>
+          <p:cNvSpPr/>
+          <p:nvPr/>
+        </p:nvSpPr>
+        <p:spPr>
+          <a:xfrm>
+            <a:off x="5375920" y="4149080"/>
+            <a:ext cx="720080" cy="720080"/>
+          </a:xfrm>
+          <a:prstGeom prst="rect">
+            <a:avLst/>
+          </a:prstGeom>
+          <a:noFill/>
+          <a:ln w="28575">
+            <a:solidFill>
+              <a:srgbClr val="0070C0"/>
+            </a:solidFill>
+          </a:ln>
+        </p:spPr>
+        <p:style>
+          <a:lnRef idx="2">
+            <a:schemeClr val="accent1">
+              <a:shade val="50000"/>
+            </a:schemeClr>
+          </a:lnRef>
+          <a:fillRef idx="1">
+            <a:schemeClr val="accent1"/>
+          </a:fillRef>
+          <a:effectRef idx="0">
+            <a:schemeClr val="accent1"/>
+          </a:effectRef>
+          <a:fontRef idx="minor">
+            <a:schemeClr val="lt1"/>
+          </a:fontRef>
+        </p:style>
+        <p:txBody>
+          <a:bodyPr rtlCol="0" anchor="ctr"/>
+          <a:lstStyle/>
+          <a:p>
+            <a:pPr algn="ctr"/>
+            <a:r>
+              <a:rPr lang="en-US" altLang="ja-JP" smtClean="0">
+                <a:solidFill>
+                  <a:schemeClr val="tx1"/>
+                </a:solidFill>
+                <a:latin typeface="Consolas" panose="020B0609020204030204" pitchFamily="49" charset="0"/>
+              </a:rPr>
+              <a:t>3.0</a:t>
+            </a:r>
+            <a:endParaRPr kumimoji="1" lang="ja-JP" altLang="en-US">
+              <a:solidFill>
+                <a:schemeClr val="tx1"/>
+              </a:solidFill>
+              <a:latin typeface="Consolas" panose="020B0609020204030204" pitchFamily="49" charset="0"/>
+            </a:endParaRPr>
+          </a:p>
+        </p:txBody>
+      </p:sp>
+      <p:sp>
+        <p:nvSpPr>
+          <p:cNvPr id="38" name="正方形/長方形 37"/>
+          <p:cNvSpPr/>
+          <p:nvPr/>
+        </p:nvSpPr>
+        <p:spPr>
+          <a:xfrm>
+            <a:off x="6096000" y="4149080"/>
+            <a:ext cx="720080" cy="720080"/>
+          </a:xfrm>
+          <a:prstGeom prst="rect">
+            <a:avLst/>
+          </a:prstGeom>
+          <a:noFill/>
+          <a:ln w="28575">
+            <a:solidFill>
+              <a:srgbClr val="0070C0"/>
+            </a:solidFill>
+          </a:ln>
+        </p:spPr>
+        <p:style>
+          <a:lnRef idx="2">
+            <a:schemeClr val="accent1">
+              <a:shade val="50000"/>
+            </a:schemeClr>
+          </a:lnRef>
+          <a:fillRef idx="1">
+            <a:schemeClr val="accent1"/>
+          </a:fillRef>
+          <a:effectRef idx="0">
+            <a:schemeClr val="accent1"/>
+          </a:effectRef>
+          <a:fontRef idx="minor">
+            <a:schemeClr val="lt1"/>
+          </a:fontRef>
+        </p:style>
+        <p:txBody>
+          <a:bodyPr rtlCol="0" anchor="ctr"/>
+          <a:lstStyle/>
+          <a:p>
+            <a:pPr algn="ctr"/>
+            <a:r>
+              <a:rPr lang="en-US" altLang="ja-JP" smtClean="0">
+                <a:solidFill>
+                  <a:schemeClr val="tx1"/>
+                </a:solidFill>
+                <a:latin typeface="Consolas" panose="020B0609020204030204" pitchFamily="49" charset="0"/>
+              </a:rPr>
+              <a:t>2.0</a:t>
+            </a:r>
+            <a:endParaRPr kumimoji="1" lang="ja-JP" altLang="en-US">
+              <a:solidFill>
+                <a:schemeClr val="tx1"/>
+              </a:solidFill>
+              <a:latin typeface="Consolas" panose="020B0609020204030204" pitchFamily="49" charset="0"/>
+            </a:endParaRPr>
+          </a:p>
+        </p:txBody>
+      </p:sp>
+      <p:cxnSp>
+        <p:nvCxnSpPr>
+          <p:cNvPr id="40" name="直線矢印コネクタ 39"/>
+          <p:cNvCxnSpPr>
+            <a:stCxn id="9" idx="2"/>
+            <a:endCxn id="36" idx="0"/>
+          </p:cNvCxnSpPr>
+          <p:nvPr/>
+        </p:nvCxnSpPr>
+        <p:spPr>
+          <a:xfrm flipH="1">
+            <a:off x="5015880" y="2708920"/>
+            <a:ext cx="1440160" cy="1440160"/>
+          </a:xfrm>
+          <a:prstGeom prst="straightConnector1">
+            <a:avLst/>
+          </a:prstGeom>
+          <a:ln>
+            <a:solidFill>
+              <a:schemeClr val="tx1"/>
+            </a:solidFill>
+            <a:tailEnd type="triangle"/>
+          </a:ln>
+        </p:spPr>
+        <p:style>
+          <a:lnRef idx="1">
+            <a:schemeClr val="accent1"/>
+          </a:lnRef>
+          <a:fillRef idx="0">
+            <a:schemeClr val="accent1"/>
+          </a:fillRef>
+          <a:effectRef idx="0">
+            <a:schemeClr val="accent1"/>
+          </a:effectRef>
+          <a:fontRef idx="minor">
+            <a:schemeClr val="tx1"/>
+          </a:fontRef>
+        </p:style>
+      </p:cxnSp>
+      <p:cxnSp>
+        <p:nvCxnSpPr>
+          <p:cNvPr id="42" name="直線矢印コネクタ 41"/>
+          <p:cNvCxnSpPr>
+            <a:stCxn id="8" idx="2"/>
+            <a:endCxn id="31" idx="0"/>
+          </p:cNvCxnSpPr>
+          <p:nvPr/>
+        </p:nvCxnSpPr>
+        <p:spPr>
+          <a:xfrm flipH="1">
+            <a:off x="1415480" y="2708920"/>
+            <a:ext cx="4320480" cy="1440160"/>
+          </a:xfrm>
+          <a:prstGeom prst="straightConnector1">
+            <a:avLst/>
+          </a:prstGeom>
+          <a:ln>
+            <a:solidFill>
+              <a:schemeClr val="tx1"/>
+            </a:solidFill>
+            <a:tailEnd type="triangle"/>
+          </a:ln>
+        </p:spPr>
+        <p:style>
+          <a:lnRef idx="1">
+            <a:schemeClr val="accent1"/>
+          </a:lnRef>
+          <a:fillRef idx="0">
+            <a:schemeClr val="accent1"/>
+          </a:fillRef>
+          <a:effectRef idx="0">
+            <a:schemeClr val="accent1"/>
+          </a:effectRef>
+          <a:fontRef idx="minor">
+            <a:schemeClr val="tx1"/>
+          </a:fontRef>
+        </p:style>
+      </p:cxnSp>
+      <p:cxnSp>
+        <p:nvCxnSpPr>
+          <p:cNvPr id="44" name="直線矢印コネクタ 43"/>
+          <p:cNvCxnSpPr>
+            <a:stCxn id="7" idx="2"/>
+            <a:endCxn id="38" idx="0"/>
+          </p:cNvCxnSpPr>
+          <p:nvPr/>
+        </p:nvCxnSpPr>
+        <p:spPr>
+          <a:xfrm>
+            <a:off x="5015880" y="2708920"/>
+            <a:ext cx="1440160" cy="1440160"/>
+          </a:xfrm>
+          <a:prstGeom prst="straightConnector1">
+            <a:avLst/>
+          </a:prstGeom>
+          <a:ln>
+            <a:solidFill>
+              <a:schemeClr val="tx1"/>
+            </a:solidFill>
+            <a:tailEnd type="triangle"/>
+          </a:ln>
+        </p:spPr>
+        <p:style>
+          <a:lnRef idx="1">
+            <a:schemeClr val="accent1"/>
+          </a:lnRef>
+          <a:fillRef idx="0">
+            <a:schemeClr val="accent1"/>
+          </a:fillRef>
+          <a:effectRef idx="0">
+            <a:schemeClr val="accent1"/>
+          </a:effectRef>
+          <a:fontRef idx="minor">
+            <a:schemeClr val="tx1"/>
+          </a:fontRef>
+        </p:style>
+      </p:cxnSp>
+      <p:cxnSp>
+        <p:nvCxnSpPr>
+          <p:cNvPr id="46" name="直線矢印コネクタ 45"/>
+          <p:cNvCxnSpPr>
+            <a:stCxn id="6" idx="2"/>
+            <a:endCxn id="37" idx="0"/>
+          </p:cNvCxnSpPr>
+          <p:nvPr/>
+        </p:nvCxnSpPr>
+        <p:spPr>
+          <a:xfrm>
+            <a:off x="4295800" y="2708920"/>
+            <a:ext cx="1440160" cy="1440160"/>
+          </a:xfrm>
+          <a:prstGeom prst="straightConnector1">
+            <a:avLst/>
+          </a:prstGeom>
+          <a:ln>
+            <a:solidFill>
+              <a:schemeClr val="tx1"/>
+            </a:solidFill>
+            <a:tailEnd type="triangle"/>
+          </a:ln>
+        </p:spPr>
+        <p:style>
+          <a:lnRef idx="1">
+            <a:schemeClr val="accent1"/>
+          </a:lnRef>
+          <a:fillRef idx="0">
+            <a:schemeClr val="accent1"/>
+          </a:fillRef>
+          <a:effectRef idx="0">
+            <a:schemeClr val="accent1"/>
+          </a:effectRef>
+          <a:fontRef idx="minor">
+            <a:schemeClr val="tx1"/>
+          </a:fontRef>
+        </p:style>
+      </p:cxnSp>
+      <p:cxnSp>
+        <p:nvCxnSpPr>
+          <p:cNvPr id="48" name="直線矢印コネクタ 47"/>
+          <p:cNvCxnSpPr>
+            <a:stCxn id="5" idx="2"/>
+            <a:endCxn id="34" idx="0"/>
+          </p:cNvCxnSpPr>
+          <p:nvPr/>
+        </p:nvCxnSpPr>
+        <p:spPr>
+          <a:xfrm>
+            <a:off x="3575720" y="2708920"/>
+            <a:ext cx="0" cy="1440160"/>
+          </a:xfrm>
+          <a:prstGeom prst="straightConnector1">
+            <a:avLst/>
+          </a:prstGeom>
+          <a:ln>
+            <a:solidFill>
+              <a:schemeClr val="tx1"/>
+            </a:solidFill>
+            <a:tailEnd type="triangle"/>
+          </a:ln>
+        </p:spPr>
+        <p:style>
+          <a:lnRef idx="1">
+            <a:schemeClr val="accent1"/>
+          </a:lnRef>
+          <a:fillRef idx="0">
+            <a:schemeClr val="accent1"/>
+          </a:fillRef>
+          <a:effectRef idx="0">
+            <a:schemeClr val="accent1"/>
+          </a:effectRef>
+          <a:fontRef idx="minor">
+            <a:schemeClr val="tx1"/>
+          </a:fontRef>
+        </p:style>
+      </p:cxnSp>
+      <p:cxnSp>
+        <p:nvCxnSpPr>
+          <p:cNvPr id="50" name="直線矢印コネクタ 49"/>
+          <p:cNvCxnSpPr>
+            <a:stCxn id="4" idx="2"/>
+            <a:endCxn id="35" idx="0"/>
+          </p:cNvCxnSpPr>
+          <p:nvPr/>
+        </p:nvCxnSpPr>
+        <p:spPr>
+          <a:xfrm>
+            <a:off x="2855640" y="2708920"/>
+            <a:ext cx="1440160" cy="1440160"/>
+          </a:xfrm>
+          <a:prstGeom prst="straightConnector1">
+            <a:avLst/>
+          </a:prstGeom>
+          <a:ln>
+            <a:solidFill>
+              <a:schemeClr val="tx1"/>
+            </a:solidFill>
+            <a:tailEnd type="triangle"/>
+          </a:ln>
+        </p:spPr>
+        <p:style>
+          <a:lnRef idx="1">
+            <a:schemeClr val="accent1"/>
+          </a:lnRef>
+          <a:fillRef idx="0">
+            <a:schemeClr val="accent1"/>
+          </a:fillRef>
+          <a:effectRef idx="0">
+            <a:schemeClr val="accent1"/>
+          </a:effectRef>
+          <a:fontRef idx="minor">
+            <a:schemeClr val="tx1"/>
+          </a:fontRef>
+        </p:style>
+      </p:cxnSp>
+      <p:cxnSp>
+        <p:nvCxnSpPr>
+          <p:cNvPr id="52" name="直線矢印コネクタ 51"/>
+          <p:cNvCxnSpPr>
+            <a:stCxn id="3" idx="2"/>
+            <a:endCxn id="33" idx="0"/>
+          </p:cNvCxnSpPr>
+          <p:nvPr/>
+        </p:nvCxnSpPr>
+        <p:spPr>
+          <a:xfrm>
+            <a:off x="2135560" y="2708920"/>
+            <a:ext cx="720080" cy="1440160"/>
+          </a:xfrm>
+          <a:prstGeom prst="straightConnector1">
+            <a:avLst/>
+          </a:prstGeom>
+          <a:ln>
+            <a:solidFill>
+              <a:schemeClr val="tx1"/>
+            </a:solidFill>
+            <a:tailEnd type="triangle"/>
+          </a:ln>
+        </p:spPr>
+        <p:style>
+          <a:lnRef idx="1">
+            <a:schemeClr val="accent1"/>
+          </a:lnRef>
+          <a:fillRef idx="0">
+            <a:schemeClr val="accent1"/>
+          </a:fillRef>
+          <a:effectRef idx="0">
+            <a:schemeClr val="accent1"/>
+          </a:effectRef>
+          <a:fontRef idx="minor">
+            <a:schemeClr val="tx1"/>
+          </a:fontRef>
+        </p:style>
+      </p:cxnSp>
+      <p:cxnSp>
+        <p:nvCxnSpPr>
+          <p:cNvPr id="54" name="直線矢印コネクタ 53"/>
+          <p:cNvCxnSpPr>
+            <a:stCxn id="2" idx="2"/>
+            <a:endCxn id="32" idx="0"/>
+          </p:cNvCxnSpPr>
+          <p:nvPr/>
+        </p:nvCxnSpPr>
+        <p:spPr>
+          <a:xfrm>
+            <a:off x="1415480" y="2708920"/>
+            <a:ext cx="720080" cy="1440160"/>
+          </a:xfrm>
+          <a:prstGeom prst="straightConnector1">
+            <a:avLst/>
+          </a:prstGeom>
+          <a:ln>
+            <a:solidFill>
+              <a:schemeClr val="tx1"/>
+            </a:solidFill>
+            <a:tailEnd type="triangle"/>
+          </a:ln>
+        </p:spPr>
+        <p:style>
+          <a:lnRef idx="1">
+            <a:schemeClr val="accent1"/>
+          </a:lnRef>
+          <a:fillRef idx="0">
+            <a:schemeClr val="accent1"/>
+          </a:fillRef>
+          <a:effectRef idx="0">
+            <a:schemeClr val="accent1"/>
+          </a:effectRef>
+          <a:fontRef idx="minor">
+            <a:schemeClr val="tx1"/>
+          </a:fontRef>
+        </p:style>
+      </p:cxnSp>
+      <p:sp>
+        <p:nvSpPr>
+          <p:cNvPr id="55" name="正方形/長方形 54"/>
+          <p:cNvSpPr/>
+          <p:nvPr/>
+        </p:nvSpPr>
+        <p:spPr>
+          <a:xfrm>
+            <a:off x="1055440" y="1196752"/>
+            <a:ext cx="9020418" cy="461665"/>
+          </a:xfrm>
+          <a:prstGeom prst="rect">
+            <a:avLst/>
+          </a:prstGeom>
+        </p:spPr>
+        <p:txBody>
+          <a:bodyPr wrap="none">
+            <a:spAutoFit/>
+          </a:bodyPr>
+          <a:lstStyle/>
+          <a:p>
+            <a:r>
+              <a:rPr lang="ja-JP" altLang="en-US" sz="2400">
+                <a:latin typeface="Consolas" panose="020B0609020204030204" pitchFamily="49" charset="0"/>
+              </a:rPr>
+              <a:t>svldff1_gather_s64index_f64(tp, a.data(), vindices);</a:t>
+            </a:r>
+          </a:p>
+        </p:txBody>
+      </p:sp>
+      <p:grpSp>
+        <p:nvGrpSpPr>
+          <p:cNvPr id="57" name="グループ化 56"/>
+          <p:cNvGrpSpPr/>
+          <p:nvPr/>
+        </p:nvGrpSpPr>
+        <p:grpSpPr>
+          <a:xfrm>
+            <a:off x="7320136" y="3068960"/>
+            <a:ext cx="2881370" cy="360171"/>
+            <a:chOff x="1054390" y="4149080"/>
+            <a:chExt cx="5760640" cy="720080"/>
+          </a:xfrm>
+        </p:grpSpPr>
+        <p:sp>
+          <p:nvSpPr>
+            <p:cNvPr id="58" name="正方形/長方形 57"/>
+            <p:cNvSpPr/>
+            <p:nvPr/>
+          </p:nvSpPr>
+          <p:spPr>
+            <a:xfrm>
+              <a:off x="1054390" y="4149080"/>
+              <a:ext cx="720080" cy="720080"/>
+            </a:xfrm>
+            <a:prstGeom prst="rect">
+              <a:avLst/>
+            </a:prstGeom>
+            <a:noFill/>
+            <a:ln w="28575">
+              <a:solidFill>
+                <a:srgbClr val="0070C0"/>
+              </a:solidFill>
+            </a:ln>
+          </p:spPr>
+          <p:style>
+            <a:lnRef idx="2">
+              <a:schemeClr val="accent1">
+                <a:shade val="50000"/>
+              </a:schemeClr>
+            </a:lnRef>
+            <a:fillRef idx="1">
+              <a:schemeClr val="accent1"/>
+            </a:fillRef>
+            <a:effectRef idx="0">
+              <a:schemeClr val="accent1"/>
+            </a:effectRef>
+            <a:fontRef idx="minor">
+              <a:schemeClr val="lt1"/>
+            </a:fontRef>
+          </p:style>
+          <p:txBody>
+            <a:bodyPr rtlCol="0" anchor="ctr"/>
+            <a:lstStyle/>
+            <a:p>
+              <a:pPr algn="ctr"/>
+              <a:r>
+                <a:rPr lang="en-US" altLang="ja-JP" smtClean="0">
+                  <a:solidFill>
+                    <a:schemeClr val="tx1"/>
+                  </a:solidFill>
+                  <a:latin typeface="Consolas" panose="020B0609020204030204" pitchFamily="49" charset="0"/>
+                </a:rPr>
+                <a:t>1</a:t>
+              </a:r>
+              <a:endParaRPr kumimoji="1" lang="ja-JP" altLang="en-US">
+                <a:solidFill>
+                  <a:schemeClr val="tx1"/>
+                </a:solidFill>
+                <a:latin typeface="Consolas" panose="020B0609020204030204" pitchFamily="49" charset="0"/>
+              </a:endParaRPr>
+            </a:p>
+          </p:txBody>
+        </p:sp>
+        <p:sp>
+          <p:nvSpPr>
+            <p:cNvPr id="59" name="正方形/長方形 58"/>
+            <p:cNvSpPr/>
+            <p:nvPr/>
+          </p:nvSpPr>
+          <p:spPr>
+            <a:xfrm>
+              <a:off x="1774470" y="4149080"/>
+              <a:ext cx="720080" cy="720080"/>
+            </a:xfrm>
+            <a:prstGeom prst="rect">
+              <a:avLst/>
+            </a:prstGeom>
+            <a:noFill/>
+            <a:ln w="28575">
+              <a:solidFill>
+                <a:srgbClr val="0070C0"/>
+              </a:solidFill>
+            </a:ln>
+          </p:spPr>
+          <p:style>
+            <a:lnRef idx="2">
+              <a:schemeClr val="accent1">
+                <a:shade val="50000"/>
+              </a:schemeClr>
+            </a:lnRef>
+            <a:fillRef idx="1">
+              <a:schemeClr val="accent1"/>
+            </a:fillRef>
+            <a:effectRef idx="0">
+              <a:schemeClr val="accent1"/>
+            </a:effectRef>
+            <a:fontRef idx="minor">
+              <a:schemeClr val="lt1"/>
+            </a:fontRef>
+          </p:style>
+          <p:txBody>
+            <a:bodyPr rtlCol="0" anchor="ctr"/>
+            <a:lstStyle/>
+            <a:p>
+              <a:pPr algn="ctr"/>
+              <a:r>
+                <a:rPr lang="en-US" altLang="ja-JP">
+                  <a:solidFill>
+                    <a:schemeClr val="tx1"/>
+                  </a:solidFill>
+                  <a:latin typeface="Consolas" panose="020B0609020204030204" pitchFamily="49" charset="0"/>
+                </a:rPr>
+                <a:t>1</a:t>
+              </a:r>
+              <a:endParaRPr kumimoji="1" lang="ja-JP" altLang="en-US">
+                <a:solidFill>
+                  <a:schemeClr val="tx1"/>
+                </a:solidFill>
+                <a:latin typeface="Consolas" panose="020B0609020204030204" pitchFamily="49" charset="0"/>
+              </a:endParaRPr>
+            </a:p>
+          </p:txBody>
+        </p:sp>
+        <p:sp>
+          <p:nvSpPr>
+            <p:cNvPr id="60" name="正方形/長方形 59"/>
+            <p:cNvSpPr/>
+            <p:nvPr/>
+          </p:nvSpPr>
+          <p:spPr>
+            <a:xfrm>
+              <a:off x="2494550" y="4149080"/>
+              <a:ext cx="720080" cy="720080"/>
+            </a:xfrm>
+            <a:prstGeom prst="rect">
+              <a:avLst/>
+            </a:prstGeom>
+            <a:noFill/>
+            <a:ln w="28575">
+              <a:solidFill>
+                <a:srgbClr val="0070C0"/>
+              </a:solidFill>
+            </a:ln>
+          </p:spPr>
+          <p:style>
+            <a:lnRef idx="2">
+              <a:schemeClr val="accent1">
+                <a:shade val="50000"/>
+              </a:schemeClr>
+            </a:lnRef>
+            <a:fillRef idx="1">
+              <a:schemeClr val="accent1"/>
+            </a:fillRef>
+            <a:effectRef idx="0">
+              <a:schemeClr val="accent1"/>
+            </a:effectRef>
+            <a:fontRef idx="minor">
+              <a:schemeClr val="lt1"/>
+            </a:fontRef>
+          </p:style>
+          <p:txBody>
+            <a:bodyPr rtlCol="0" anchor="ctr"/>
+            <a:lstStyle/>
+            <a:p>
+              <a:pPr algn="ctr"/>
+              <a:r>
+                <a:rPr lang="en-US" altLang="ja-JP" smtClean="0">
+                  <a:solidFill>
+                    <a:schemeClr val="tx1"/>
+                  </a:solidFill>
+                  <a:latin typeface="Consolas" panose="020B0609020204030204" pitchFamily="49" charset="0"/>
+                </a:rPr>
+                <a:t>1</a:t>
+              </a:r>
+              <a:endParaRPr kumimoji="1" lang="ja-JP" altLang="en-US">
+                <a:solidFill>
+                  <a:schemeClr val="tx1"/>
+                </a:solidFill>
+                <a:latin typeface="Consolas" panose="020B0609020204030204" pitchFamily="49" charset="0"/>
+              </a:endParaRPr>
+            </a:p>
+          </p:txBody>
+        </p:sp>
+        <p:sp>
+          <p:nvSpPr>
+            <p:cNvPr id="61" name="正方形/長方形 60"/>
+            <p:cNvSpPr/>
+            <p:nvPr/>
+          </p:nvSpPr>
+          <p:spPr>
+            <a:xfrm>
+              <a:off x="3214630" y="4149080"/>
+              <a:ext cx="720080" cy="720080"/>
+            </a:xfrm>
+            <a:prstGeom prst="rect">
+              <a:avLst/>
+            </a:prstGeom>
+            <a:noFill/>
+            <a:ln w="28575">
+              <a:solidFill>
+                <a:srgbClr val="0070C0"/>
+              </a:solidFill>
+            </a:ln>
+          </p:spPr>
+          <p:style>
+            <a:lnRef idx="2">
+              <a:schemeClr val="accent1">
+                <a:shade val="50000"/>
+              </a:schemeClr>
+            </a:lnRef>
+            <a:fillRef idx="1">
+              <a:schemeClr val="accent1"/>
+            </a:fillRef>
+            <a:effectRef idx="0">
+              <a:schemeClr val="accent1"/>
+            </a:effectRef>
+            <a:fontRef idx="minor">
+              <a:schemeClr val="lt1"/>
+            </a:fontRef>
+          </p:style>
+          <p:txBody>
+            <a:bodyPr rtlCol="0" anchor="ctr"/>
+            <a:lstStyle/>
+            <a:p>
+              <a:pPr algn="ctr"/>
+              <a:r>
+                <a:rPr lang="en-US" altLang="ja-JP">
+                  <a:solidFill>
+                    <a:schemeClr val="tx1"/>
+                  </a:solidFill>
+                  <a:latin typeface="Consolas" panose="020B0609020204030204" pitchFamily="49" charset="0"/>
+                </a:rPr>
+                <a:t>1</a:t>
+              </a:r>
+              <a:endParaRPr kumimoji="1" lang="ja-JP" altLang="en-US">
+                <a:solidFill>
+                  <a:schemeClr val="tx1"/>
+                </a:solidFill>
+                <a:latin typeface="Consolas" panose="020B0609020204030204" pitchFamily="49" charset="0"/>
+              </a:endParaRPr>
+            </a:p>
+          </p:txBody>
+        </p:sp>
+        <p:sp>
+          <p:nvSpPr>
+            <p:cNvPr id="62" name="正方形/長方形 61"/>
+            <p:cNvSpPr/>
+            <p:nvPr/>
+          </p:nvSpPr>
+          <p:spPr>
+            <a:xfrm>
+              <a:off x="3934710" y="4149080"/>
+              <a:ext cx="720080" cy="720080"/>
+            </a:xfrm>
+            <a:prstGeom prst="rect">
+              <a:avLst/>
+            </a:prstGeom>
+            <a:noFill/>
+            <a:ln w="28575">
+              <a:solidFill>
+                <a:srgbClr val="0070C0"/>
+              </a:solidFill>
+            </a:ln>
+          </p:spPr>
+          <p:style>
+            <a:lnRef idx="2">
+              <a:schemeClr val="accent1">
+                <a:shade val="50000"/>
+              </a:schemeClr>
+            </a:lnRef>
+            <a:fillRef idx="1">
+              <a:schemeClr val="accent1"/>
+            </a:fillRef>
+            <a:effectRef idx="0">
+              <a:schemeClr val="accent1"/>
+            </a:effectRef>
+            <a:fontRef idx="minor">
+              <a:schemeClr val="lt1"/>
+            </a:fontRef>
+          </p:style>
+          <p:txBody>
+            <a:bodyPr rtlCol="0" anchor="ctr"/>
+            <a:lstStyle/>
+            <a:p>
+              <a:pPr algn="ctr"/>
+              <a:r>
+                <a:rPr lang="en-US" altLang="ja-JP">
+                  <a:solidFill>
+                    <a:schemeClr val="tx1"/>
+                  </a:solidFill>
+                  <a:latin typeface="Consolas" panose="020B0609020204030204" pitchFamily="49" charset="0"/>
+                </a:rPr>
+                <a:t>1</a:t>
+              </a:r>
+              <a:endParaRPr kumimoji="1" lang="ja-JP" altLang="en-US">
+                <a:solidFill>
+                  <a:schemeClr val="tx1"/>
+                </a:solidFill>
+                <a:latin typeface="Consolas" panose="020B0609020204030204" pitchFamily="49" charset="0"/>
+              </a:endParaRPr>
+            </a:p>
+          </p:txBody>
+        </p:sp>
+        <p:sp>
+          <p:nvSpPr>
+            <p:cNvPr id="63" name="正方形/長方形 62"/>
+            <p:cNvSpPr/>
+            <p:nvPr/>
+          </p:nvSpPr>
+          <p:spPr>
+            <a:xfrm>
+              <a:off x="4654790" y="4149080"/>
+              <a:ext cx="720080" cy="720080"/>
+            </a:xfrm>
+            <a:prstGeom prst="rect">
+              <a:avLst/>
+            </a:prstGeom>
+            <a:noFill/>
+            <a:ln w="28575">
+              <a:solidFill>
+                <a:srgbClr val="0070C0"/>
+              </a:solidFill>
+            </a:ln>
+          </p:spPr>
+          <p:style>
+            <a:lnRef idx="2">
+              <a:schemeClr val="accent1">
+                <a:shade val="50000"/>
+              </a:schemeClr>
+            </a:lnRef>
+            <a:fillRef idx="1">
+              <a:schemeClr val="accent1"/>
+            </a:fillRef>
+            <a:effectRef idx="0">
+              <a:schemeClr val="accent1"/>
+            </a:effectRef>
+            <a:fontRef idx="minor">
+              <a:schemeClr val="lt1"/>
+            </a:fontRef>
+          </p:style>
+          <p:txBody>
+            <a:bodyPr rtlCol="0" anchor="ctr"/>
+            <a:lstStyle/>
+            <a:p>
+              <a:pPr algn="ctr"/>
+              <a:r>
+                <a:rPr lang="en-US" altLang="ja-JP" smtClean="0">
+                  <a:solidFill>
+                    <a:schemeClr val="tx1"/>
+                  </a:solidFill>
+                  <a:latin typeface="Consolas" panose="020B0609020204030204" pitchFamily="49" charset="0"/>
+                </a:rPr>
+                <a:t>1</a:t>
+              </a:r>
+              <a:endParaRPr kumimoji="1" lang="ja-JP" altLang="en-US">
+                <a:solidFill>
+                  <a:schemeClr val="tx1"/>
+                </a:solidFill>
+                <a:latin typeface="Consolas" panose="020B0609020204030204" pitchFamily="49" charset="0"/>
+              </a:endParaRPr>
+            </a:p>
+          </p:txBody>
+        </p:sp>
+        <p:sp>
+          <p:nvSpPr>
+            <p:cNvPr id="64" name="正方形/長方形 63"/>
+            <p:cNvSpPr/>
+            <p:nvPr/>
+          </p:nvSpPr>
+          <p:spPr>
+            <a:xfrm>
+              <a:off x="5374870" y="4149080"/>
+              <a:ext cx="720080" cy="720080"/>
+            </a:xfrm>
+            <a:prstGeom prst="rect">
+              <a:avLst/>
+            </a:prstGeom>
+            <a:noFill/>
+            <a:ln w="28575">
+              <a:solidFill>
+                <a:srgbClr val="0070C0"/>
+              </a:solidFill>
+            </a:ln>
+          </p:spPr>
+          <p:style>
+            <a:lnRef idx="2">
+              <a:schemeClr val="accent1">
+                <a:shade val="50000"/>
+              </a:schemeClr>
+            </a:lnRef>
+            <a:fillRef idx="1">
+              <a:schemeClr val="accent1"/>
+            </a:fillRef>
+            <a:effectRef idx="0">
+              <a:schemeClr val="accent1"/>
+            </a:effectRef>
+            <a:fontRef idx="minor">
+              <a:schemeClr val="lt1"/>
+            </a:fontRef>
+          </p:style>
+          <p:txBody>
+            <a:bodyPr rtlCol="0" anchor="ctr"/>
+            <a:lstStyle/>
+            <a:p>
+              <a:pPr algn="ctr"/>
+              <a:r>
+                <a:rPr lang="en-US" altLang="ja-JP" smtClean="0">
+                  <a:solidFill>
+                    <a:schemeClr val="tx1"/>
+                  </a:solidFill>
+                  <a:latin typeface="Consolas" panose="020B0609020204030204" pitchFamily="49" charset="0"/>
+                </a:rPr>
+                <a:t>1</a:t>
+              </a:r>
+              <a:endParaRPr kumimoji="1" lang="ja-JP" altLang="en-US">
+                <a:solidFill>
+                  <a:schemeClr val="tx1"/>
+                </a:solidFill>
+                <a:latin typeface="Consolas" panose="020B0609020204030204" pitchFamily="49" charset="0"/>
+              </a:endParaRPr>
+            </a:p>
+          </p:txBody>
+        </p:sp>
+        <p:sp>
+          <p:nvSpPr>
+            <p:cNvPr id="65" name="正方形/長方形 64"/>
+            <p:cNvSpPr/>
+            <p:nvPr/>
+          </p:nvSpPr>
+          <p:spPr>
+            <a:xfrm>
+              <a:off x="6094950" y="4149080"/>
+              <a:ext cx="720080" cy="720080"/>
+            </a:xfrm>
+            <a:prstGeom prst="rect">
+              <a:avLst/>
+            </a:prstGeom>
+            <a:noFill/>
+            <a:ln w="28575">
+              <a:solidFill>
+                <a:srgbClr val="0070C0"/>
+              </a:solidFill>
+            </a:ln>
+          </p:spPr>
+          <p:style>
+            <a:lnRef idx="2">
+              <a:schemeClr val="accent1">
+                <a:shade val="50000"/>
+              </a:schemeClr>
+            </a:lnRef>
+            <a:fillRef idx="1">
+              <a:schemeClr val="accent1"/>
+            </a:fillRef>
+            <a:effectRef idx="0">
+              <a:schemeClr val="accent1"/>
+            </a:effectRef>
+            <a:fontRef idx="minor">
+              <a:schemeClr val="lt1"/>
+            </a:fontRef>
+          </p:style>
+          <p:txBody>
+            <a:bodyPr rtlCol="0" anchor="ctr"/>
+            <a:lstStyle/>
+            <a:p>
+              <a:pPr algn="ctr"/>
+              <a:r>
+                <a:rPr lang="en-US" altLang="ja-JP" smtClean="0">
+                  <a:solidFill>
+                    <a:schemeClr val="tx1"/>
+                  </a:solidFill>
+                  <a:latin typeface="Consolas" panose="020B0609020204030204" pitchFamily="49" charset="0"/>
+                </a:rPr>
+                <a:t>1</a:t>
+              </a:r>
+              <a:endParaRPr kumimoji="1" lang="ja-JP" altLang="en-US">
+                <a:solidFill>
+                  <a:schemeClr val="tx1"/>
+                </a:solidFill>
+                <a:latin typeface="Consolas" panose="020B0609020204030204" pitchFamily="49" charset="0"/>
+              </a:endParaRPr>
+            </a:p>
+          </p:txBody>
+        </p:sp>
+      </p:grpSp>
+      <p:sp>
+        <p:nvSpPr>
+          <p:cNvPr id="66" name="テキスト ボックス 65"/>
+          <p:cNvSpPr txBox="1"/>
+          <p:nvPr/>
+        </p:nvSpPr>
+        <p:spPr>
+          <a:xfrm>
+            <a:off x="10200456" y="3068960"/>
+            <a:ext cx="409086" cy="338554"/>
+          </a:xfrm>
+          <a:prstGeom prst="rect">
+            <a:avLst/>
+          </a:prstGeom>
+          <a:noFill/>
+        </p:spPr>
+        <p:txBody>
+          <a:bodyPr wrap="none" rtlCol="0">
+            <a:spAutoFit/>
+          </a:bodyPr>
+          <a:lstStyle/>
+          <a:p>
+            <a:r>
+              <a:rPr lang="en-US" altLang="ja-JP" sz="1600" smtClean="0">
+                <a:latin typeface="Consolas" panose="020B0609020204030204" pitchFamily="49" charset="0"/>
+              </a:rPr>
+              <a:t>tp</a:t>
+            </a:r>
+            <a:endParaRPr kumimoji="1" lang="ja-JP" altLang="en-US" sz="1600">
+              <a:latin typeface="Consolas" panose="020B0609020204030204" pitchFamily="49" charset="0"/>
+            </a:endParaRPr>
+          </a:p>
+        </p:txBody>
+      </p:sp>
+    </p:spTree>
+    <p:extLst>
+      <p:ext uri="{BB962C8B-B14F-4D97-AF65-F5344CB8AC3E}">
+        <p14:creationId xmlns:p14="http://schemas.microsoft.com/office/powerpoint/2010/main" val="3303948245"/>
       </p:ext>
     </p:extLst>
   </p:cSld>
